--- a/VBA Seminar.pptx
+++ b/VBA Seminar.pptx
@@ -22,18 +22,20 @@
     <p:sldId id="267" r:id="rId16"/>
     <p:sldId id="284" r:id="rId17"/>
     <p:sldId id="268" r:id="rId18"/>
-    <p:sldId id="270" r:id="rId19"/>
-    <p:sldId id="271" r:id="rId20"/>
-    <p:sldId id="272" r:id="rId21"/>
-    <p:sldId id="273" r:id="rId22"/>
-    <p:sldId id="287" r:id="rId23"/>
-    <p:sldId id="288" r:id="rId24"/>
-    <p:sldId id="274" r:id="rId25"/>
-    <p:sldId id="275" r:id="rId26"/>
-    <p:sldId id="276" r:id="rId27"/>
-    <p:sldId id="277" r:id="rId28"/>
-    <p:sldId id="278" r:id="rId29"/>
-    <p:sldId id="289" r:id="rId30"/>
+    <p:sldId id="291" r:id="rId19"/>
+    <p:sldId id="270" r:id="rId20"/>
+    <p:sldId id="271" r:id="rId21"/>
+    <p:sldId id="290" r:id="rId22"/>
+    <p:sldId id="272" r:id="rId23"/>
+    <p:sldId id="273" r:id="rId24"/>
+    <p:sldId id="287" r:id="rId25"/>
+    <p:sldId id="288" r:id="rId26"/>
+    <p:sldId id="274" r:id="rId27"/>
+    <p:sldId id="275" r:id="rId28"/>
+    <p:sldId id="276" r:id="rId29"/>
+    <p:sldId id="277" r:id="rId30"/>
+    <p:sldId id="278" r:id="rId31"/>
+    <p:sldId id="289" r:id="rId32"/>
   </p:sldIdLst>
   <p:sldSz cx="12192000" cy="6858000"/>
   <p:notesSz cx="6858000" cy="9144000"/>
@@ -862,7 +864,7 @@
           <a:p>
             <a:fld id="{AF59C570-3DD0-4EBB-B36F-5C84C0EF1677}" type="datetimeFigureOut">
               <a:rPr lang="en-US" smtClean="0"/>
-              <a:t>11/8/2019</a:t>
+              <a:t>11/9/2019</a:t>
             </a:fld>
             <a:endParaRPr lang="en-US"/>
           </a:p>
@@ -1113,7 +1115,7 @@
           <a:p>
             <a:fld id="{AF59C570-3DD0-4EBB-B36F-5C84C0EF1677}" type="datetimeFigureOut">
               <a:rPr lang="en-US" smtClean="0"/>
-              <a:t>11/8/2019</a:t>
+              <a:t>11/9/2019</a:t>
             </a:fld>
             <a:endParaRPr lang="en-US"/>
           </a:p>
@@ -1427,7 +1429,7 @@
           <a:p>
             <a:fld id="{AF59C570-3DD0-4EBB-B36F-5C84C0EF1677}" type="datetimeFigureOut">
               <a:rPr lang="en-US" smtClean="0"/>
-              <a:t>11/8/2019</a:t>
+              <a:t>11/9/2019</a:t>
             </a:fld>
             <a:endParaRPr lang="en-US"/>
           </a:p>
@@ -1768,7 +1770,7 @@
           <a:p>
             <a:fld id="{AF59C570-3DD0-4EBB-B36F-5C84C0EF1677}" type="datetimeFigureOut">
               <a:rPr lang="en-US" smtClean="0"/>
-              <a:t>11/8/2019</a:t>
+              <a:t>11/9/2019</a:t>
             </a:fld>
             <a:endParaRPr lang="en-US"/>
           </a:p>
@@ -2082,7 +2084,7 @@
           <a:p>
             <a:fld id="{AF59C570-3DD0-4EBB-B36F-5C84C0EF1677}" type="datetimeFigureOut">
               <a:rPr lang="en-US" smtClean="0"/>
-              <a:t>11/8/2019</a:t>
+              <a:t>11/9/2019</a:t>
             </a:fld>
             <a:endParaRPr lang="en-US"/>
           </a:p>
@@ -2475,7 +2477,7 @@
           <a:p>
             <a:fld id="{AF59C570-3DD0-4EBB-B36F-5C84C0EF1677}" type="datetimeFigureOut">
               <a:rPr lang="en-US" smtClean="0"/>
-              <a:t>11/8/2019</a:t>
+              <a:t>11/9/2019</a:t>
             </a:fld>
             <a:endParaRPr lang="en-US"/>
           </a:p>
@@ -2645,7 +2647,7 @@
           <a:p>
             <a:fld id="{AF59C570-3DD0-4EBB-B36F-5C84C0EF1677}" type="datetimeFigureOut">
               <a:rPr lang="en-US" smtClean="0"/>
-              <a:t>11/8/2019</a:t>
+              <a:t>11/9/2019</a:t>
             </a:fld>
             <a:endParaRPr lang="en-US"/>
           </a:p>
@@ -2825,7 +2827,7 @@
           <a:p>
             <a:fld id="{AF59C570-3DD0-4EBB-B36F-5C84C0EF1677}" type="datetimeFigureOut">
               <a:rPr lang="en-US" smtClean="0"/>
-              <a:t>11/8/2019</a:t>
+              <a:t>11/9/2019</a:t>
             </a:fld>
             <a:endParaRPr lang="en-US"/>
           </a:p>
@@ -3001,7 +3003,7 @@
           <a:p>
             <a:fld id="{AF59C570-3DD0-4EBB-B36F-5C84C0EF1677}" type="datetimeFigureOut">
               <a:rPr lang="en-US" smtClean="0"/>
-              <a:t>11/8/2019</a:t>
+              <a:t>11/9/2019</a:t>
             </a:fld>
             <a:endParaRPr lang="en-US"/>
           </a:p>
@@ -3248,7 +3250,7 @@
           <a:p>
             <a:fld id="{AF59C570-3DD0-4EBB-B36F-5C84C0EF1677}" type="datetimeFigureOut">
               <a:rPr lang="en-US" smtClean="0"/>
-              <a:t>11/8/2019</a:t>
+              <a:t>11/9/2019</a:t>
             </a:fld>
             <a:endParaRPr lang="en-US"/>
           </a:p>
@@ -3480,7 +3482,7 @@
           <a:p>
             <a:fld id="{AF59C570-3DD0-4EBB-B36F-5C84C0EF1677}" type="datetimeFigureOut">
               <a:rPr lang="en-US" smtClean="0"/>
-              <a:t>11/8/2019</a:t>
+              <a:t>11/9/2019</a:t>
             </a:fld>
             <a:endParaRPr lang="en-US"/>
           </a:p>
@@ -3854,7 +3856,7 @@
           <a:p>
             <a:fld id="{AF59C570-3DD0-4EBB-B36F-5C84C0EF1677}" type="datetimeFigureOut">
               <a:rPr lang="en-US" smtClean="0"/>
-              <a:t>11/8/2019</a:t>
+              <a:t>11/9/2019</a:t>
             </a:fld>
             <a:endParaRPr lang="en-US"/>
           </a:p>
@@ -3977,7 +3979,7 @@
           <a:p>
             <a:fld id="{AF59C570-3DD0-4EBB-B36F-5C84C0EF1677}" type="datetimeFigureOut">
               <a:rPr lang="en-US" smtClean="0"/>
-              <a:t>11/8/2019</a:t>
+              <a:t>11/9/2019</a:t>
             </a:fld>
             <a:endParaRPr lang="en-US"/>
           </a:p>
@@ -4072,7 +4074,7 @@
           <a:p>
             <a:fld id="{AF59C570-3DD0-4EBB-B36F-5C84C0EF1677}" type="datetimeFigureOut">
               <a:rPr lang="en-US" smtClean="0"/>
-              <a:t>11/8/2019</a:t>
+              <a:t>11/9/2019</a:t>
             </a:fld>
             <a:endParaRPr lang="en-US"/>
           </a:p>
@@ -4327,7 +4329,7 @@
           <a:p>
             <a:fld id="{AF59C570-3DD0-4EBB-B36F-5C84C0EF1677}" type="datetimeFigureOut">
               <a:rPr lang="en-US" smtClean="0"/>
-              <a:t>11/8/2019</a:t>
+              <a:t>11/9/2019</a:t>
             </a:fld>
             <a:endParaRPr lang="en-US"/>
           </a:p>
@@ -4590,7 +4592,7 @@
           <a:p>
             <a:fld id="{AF59C570-3DD0-4EBB-B36F-5C84C0EF1677}" type="datetimeFigureOut">
               <a:rPr lang="en-US" smtClean="0"/>
-              <a:t>11/8/2019</a:t>
+              <a:t>11/9/2019</a:t>
             </a:fld>
             <a:endParaRPr lang="en-US"/>
           </a:p>
@@ -5333,7 +5335,7 @@
           <a:p>
             <a:fld id="{AF59C570-3DD0-4EBB-B36F-5C84C0EF1677}" type="datetimeFigureOut">
               <a:rPr lang="en-US" smtClean="0"/>
-              <a:t>11/8/2019</a:t>
+              <a:t>11/9/2019</a:t>
             </a:fld>
             <a:endParaRPr lang="en-US"/>
           </a:p>
@@ -5971,7 +5973,7 @@
             </a:r>
             <a:r>
               <a:rPr lang="en-US" dirty="0"/>
-              <a:t> (2/2)</a:t>
+              <a:t> (2/3)</a:t>
             </a:r>
           </a:p>
         </p:txBody>
@@ -7080,7 +7082,7 @@
             </a:r>
             <a:r>
               <a:rPr lang="en-US" dirty="0"/>
-              <a:t> program [if/for/function/sub] (1/6)</a:t>
+              <a:t> program [if/for/function/sub] (1/7)</a:t>
             </a:r>
           </a:p>
         </p:txBody>
@@ -8037,7 +8039,7 @@
             </a:r>
             <a:r>
               <a:rPr lang="en-US" dirty="0"/>
-              <a:t> program [if/for/function/sub] (2/6)</a:t>
+              <a:t> program [if/for/function/sub] (2/7)</a:t>
             </a:r>
           </a:p>
         </p:txBody>
@@ -8164,7 +8166,7 @@
             </a:r>
             <a:r>
               <a:rPr lang="en-US" dirty="0"/>
-              <a:t> program (cell manipulation) (3/6)</a:t>
+              <a:t> program (cell manipulation) (3/7)</a:t>
             </a:r>
           </a:p>
         </p:txBody>
@@ -8630,7 +8632,7 @@
             </a:r>
             <a:r>
               <a:rPr lang="en-US" dirty="0"/>
-              <a:t> program (cell manipulation) (4/6)</a:t>
+              <a:t> program (cell manipulation) (4/7)</a:t>
             </a:r>
           </a:p>
         </p:txBody>
@@ -9313,7 +9315,7 @@
             </a:r>
             <a:r>
               <a:rPr lang="en-US" dirty="0"/>
-              <a:t> program (cell manipulation) (5/6)</a:t>
+              <a:t> program (cell manipulation) (5/7)</a:t>
             </a:r>
           </a:p>
         </p:txBody>
@@ -10002,7 +10004,7 @@
             </a:r>
             <a:r>
               <a:rPr lang="en-US" dirty="0"/>
-              <a:t> program (cell manipulation) (6/6)</a:t>
+              <a:t> program (cell manipulation) (6/7)</a:t>
             </a:r>
           </a:p>
         </p:txBody>
@@ -10411,7 +10413,743 @@
           <a:p>
             <a:r>
               <a:rPr lang="en-US" dirty="0"/>
-              <a:t>Putting it all together (1/5)</a:t>
+              <a:t>Building Blocks of a </a:t>
+            </a:r>
+            <a:r>
+              <a:rPr lang="en-US" dirty="0" err="1"/>
+              <a:t>vba</a:t>
+            </a:r>
+            <a:r>
+              <a:rPr lang="en-US" dirty="0"/>
+              <a:t> program (cell manipulation) (7/7)</a:t>
+            </a:r>
+          </a:p>
+        </p:txBody>
+      </p:sp>
+      <p:sp>
+        <p:nvSpPr>
+          <p:cNvPr id="3" name="Content Placeholder 2">
+            <a:extLst>
+              <a:ext uri="{FF2B5EF4-FFF2-40B4-BE49-F238E27FC236}">
+                <a16:creationId xmlns:a16="http://schemas.microsoft.com/office/drawing/2014/main" id="{7F189F25-656C-4B53-AD5B-65E9AEE05F76}"/>
+              </a:ext>
+            </a:extLst>
+          </p:cNvPr>
+          <p:cNvSpPr>
+            <a:spLocks noGrp="1"/>
+          </p:cNvSpPr>
+          <p:nvPr>
+            <p:ph idx="1"/>
+          </p:nvPr>
+        </p:nvSpPr>
+        <p:spPr>
+          <a:xfrm>
+            <a:off x="361912" y="2203938"/>
+            <a:ext cx="8797328" cy="4407877"/>
+          </a:xfrm>
+        </p:spPr>
+        <p:txBody>
+          <a:bodyPr>
+            <a:normAutofit/>
+          </a:bodyPr>
+          <a:lstStyle/>
+          <a:p>
+            <a:r>
+              <a:rPr lang="en-US" dirty="0">
+                <a:sym typeface="Wingdings" panose="05000000000000000000" pitchFamily="2" charset="2"/>
+              </a:rPr>
+              <a:t>Summary:</a:t>
+            </a:r>
+          </a:p>
+          <a:p>
+            <a:pPr lvl="1"/>
+            <a:r>
+              <a:rPr lang="en-US" dirty="0">
+                <a:sym typeface="Wingdings" panose="05000000000000000000" pitchFamily="2" charset="2"/>
+              </a:rPr>
+              <a:t>Dynamically find last row for a given column: </a:t>
+            </a:r>
+          </a:p>
+          <a:p>
+            <a:pPr lvl="2"/>
+            <a:r>
+              <a:rPr lang="en-US" dirty="0">
+                <a:sym typeface="Wingdings" panose="05000000000000000000" pitchFamily="2" charset="2"/>
+              </a:rPr>
+              <a:t>Cells(rows.count,</a:t>
+            </a:r>
+            <a:r>
+              <a:rPr lang="en-US" dirty="0">
+                <a:solidFill>
+                  <a:schemeClr val="accent2"/>
+                </a:solidFill>
+                <a:sym typeface="Wingdings" panose="05000000000000000000" pitchFamily="2" charset="2"/>
+              </a:rPr>
+              <a:t>1</a:t>
+            </a:r>
+            <a:r>
+              <a:rPr lang="en-US" dirty="0">
+                <a:sym typeface="Wingdings" panose="05000000000000000000" pitchFamily="2" charset="2"/>
+              </a:rPr>
+              <a:t>).end(</a:t>
+            </a:r>
+            <a:r>
+              <a:rPr lang="en-US" dirty="0" err="1">
+                <a:sym typeface="Wingdings" panose="05000000000000000000" pitchFamily="2" charset="2"/>
+              </a:rPr>
+              <a:t>xlup</a:t>
+            </a:r>
+            <a:r>
+              <a:rPr lang="en-US" dirty="0">
+                <a:sym typeface="Wingdings" panose="05000000000000000000" pitchFamily="2" charset="2"/>
+              </a:rPr>
+              <a:t>).row</a:t>
+            </a:r>
+          </a:p>
+          <a:p>
+            <a:pPr lvl="2"/>
+            <a:r>
+              <a:rPr lang="en-US" dirty="0">
+                <a:solidFill>
+                  <a:schemeClr val="accent2"/>
+                </a:solidFill>
+                <a:sym typeface="Wingdings" panose="05000000000000000000" pitchFamily="2" charset="2"/>
+              </a:rPr>
+              <a:t>The column # doesn’t matter if you know that the last row of your dataset is always filled</a:t>
+            </a:r>
+          </a:p>
+          <a:p>
+            <a:pPr lvl="2"/>
+            <a:endParaRPr lang="en-US" dirty="0">
+              <a:sym typeface="Wingdings" panose="05000000000000000000" pitchFamily="2" charset="2"/>
+            </a:endParaRPr>
+          </a:p>
+          <a:p>
+            <a:pPr lvl="1"/>
+            <a:r>
+              <a:rPr lang="en-US" dirty="0">
+                <a:sym typeface="Wingdings" panose="05000000000000000000" pitchFamily="2" charset="2"/>
+              </a:rPr>
+              <a:t>Dynamically find last column for a given row (usually the header): </a:t>
+            </a:r>
+          </a:p>
+          <a:p>
+            <a:pPr lvl="2"/>
+            <a:r>
+              <a:rPr lang="en-US" dirty="0">
+                <a:sym typeface="Wingdings" panose="05000000000000000000" pitchFamily="2" charset="2"/>
+              </a:rPr>
+              <a:t>Cells(</a:t>
+            </a:r>
+            <a:r>
+              <a:rPr lang="en-US" dirty="0">
+                <a:solidFill>
+                  <a:schemeClr val="accent2"/>
+                </a:solidFill>
+                <a:sym typeface="Wingdings" panose="05000000000000000000" pitchFamily="2" charset="2"/>
+              </a:rPr>
+              <a:t>1</a:t>
+            </a:r>
+            <a:r>
+              <a:rPr lang="en-US" dirty="0">
+                <a:sym typeface="Wingdings" panose="05000000000000000000" pitchFamily="2" charset="2"/>
+              </a:rPr>
+              <a:t>,</a:t>
+            </a:r>
+            <a:r>
+              <a:rPr lang="en-US" dirty="0">
+                <a:solidFill>
+                  <a:schemeClr val="tx1"/>
+                </a:solidFill>
+                <a:sym typeface="Wingdings" panose="05000000000000000000" pitchFamily="2" charset="2"/>
+              </a:rPr>
+              <a:t>columns.count</a:t>
+            </a:r>
+            <a:r>
+              <a:rPr lang="en-US" dirty="0">
+                <a:sym typeface="Wingdings" panose="05000000000000000000" pitchFamily="2" charset="2"/>
+              </a:rPr>
+              <a:t>).end(</a:t>
+            </a:r>
+            <a:r>
+              <a:rPr lang="en-US" dirty="0" err="1">
+                <a:sym typeface="Wingdings" panose="05000000000000000000" pitchFamily="2" charset="2"/>
+              </a:rPr>
+              <a:t>xlup</a:t>
+            </a:r>
+            <a:r>
+              <a:rPr lang="en-US" dirty="0">
+                <a:sym typeface="Wingdings" panose="05000000000000000000" pitchFamily="2" charset="2"/>
+              </a:rPr>
+              <a:t>).row</a:t>
+            </a:r>
+          </a:p>
+          <a:p>
+            <a:pPr lvl="2"/>
+            <a:r>
+              <a:rPr lang="en-US" dirty="0">
+                <a:sym typeface="Wingdings" panose="05000000000000000000" pitchFamily="2" charset="2"/>
+              </a:rPr>
+              <a:t>Only applies in situations where the # of columns changes over time</a:t>
+            </a:r>
+          </a:p>
+          <a:p>
+            <a:pPr lvl="2"/>
+            <a:endParaRPr lang="en-US" dirty="0">
+              <a:sym typeface="Wingdings" panose="05000000000000000000" pitchFamily="2" charset="2"/>
+            </a:endParaRPr>
+          </a:p>
+          <a:p>
+            <a:pPr lvl="1"/>
+            <a:r>
+              <a:rPr lang="en-US" dirty="0">
+                <a:sym typeface="Wingdings" panose="05000000000000000000" pitchFamily="2" charset="2"/>
+              </a:rPr>
+              <a:t>There are times when you need both</a:t>
+            </a:r>
+          </a:p>
+          <a:p>
+            <a:pPr lvl="1"/>
+            <a:r>
+              <a:rPr lang="en-US" dirty="0">
+                <a:sym typeface="Wingdings" panose="05000000000000000000" pitchFamily="2" charset="2"/>
+              </a:rPr>
+              <a:t>Class activity</a:t>
+            </a:r>
+          </a:p>
+          <a:p>
+            <a:pPr lvl="1"/>
+            <a:endParaRPr lang="en-US" dirty="0">
+              <a:sym typeface="Wingdings" panose="05000000000000000000" pitchFamily="2" charset="2"/>
+            </a:endParaRPr>
+          </a:p>
+        </p:txBody>
+      </p:sp>
+    </p:spTree>
+    <p:extLst>
+      <p:ext uri="{BB962C8B-B14F-4D97-AF65-F5344CB8AC3E}">
+        <p14:creationId xmlns:p14="http://schemas.microsoft.com/office/powerpoint/2010/main" val="3878714001"/>
+      </p:ext>
+    </p:extLst>
+  </p:cSld>
+  <p:clrMapOvr>
+    <a:masterClrMapping/>
+  </p:clrMapOvr>
+  <p:timing>
+    <p:tnLst>
+      <p:par>
+        <p:cTn id="1" dur="indefinite" restart="never" nodeType="tmRoot">
+          <p:childTnLst>
+            <p:seq concurrent="1" nextAc="seek">
+              <p:cTn id="2" dur="indefinite" nodeType="mainSeq">
+                <p:childTnLst>
+                  <p:par>
+                    <p:cTn id="3" fill="hold">
+                      <p:stCondLst>
+                        <p:cond delay="indefinite"/>
+                      </p:stCondLst>
+                      <p:childTnLst>
+                        <p:par>
+                          <p:cTn id="4" fill="hold">
+                            <p:stCondLst>
+                              <p:cond delay="0"/>
+                            </p:stCondLst>
+                            <p:childTnLst>
+                              <p:par>
+                                <p:cTn id="5" presetID="1" presetClass="entr" presetSubtype="0" fill="hold" nodeType="clickEffect">
+                                  <p:stCondLst>
+                                    <p:cond delay="0"/>
+                                  </p:stCondLst>
+                                  <p:childTnLst>
+                                    <p:set>
+                                      <p:cBhvr>
+                                        <p:cTn id="6" dur="1" fill="hold">
+                                          <p:stCondLst>
+                                            <p:cond delay="0"/>
+                                          </p:stCondLst>
+                                        </p:cTn>
+                                        <p:tgtEl>
+                                          <p:spTgt spid="3">
+                                            <p:txEl>
+                                              <p:pRg st="0" end="0"/>
+                                            </p:txEl>
+                                          </p:spTgt>
+                                        </p:tgtEl>
+                                        <p:attrNameLst>
+                                          <p:attrName>style.visibility</p:attrName>
+                                        </p:attrNameLst>
+                                      </p:cBhvr>
+                                      <p:to>
+                                        <p:strVal val="visible"/>
+                                      </p:to>
+                                    </p:set>
+                                  </p:childTnLst>
+                                </p:cTn>
+                              </p:par>
+                            </p:childTnLst>
+                          </p:cTn>
+                        </p:par>
+                      </p:childTnLst>
+                    </p:cTn>
+                  </p:par>
+                  <p:par>
+                    <p:cTn id="7" fill="hold">
+                      <p:stCondLst>
+                        <p:cond delay="indefinite"/>
+                      </p:stCondLst>
+                      <p:childTnLst>
+                        <p:par>
+                          <p:cTn id="8" fill="hold">
+                            <p:stCondLst>
+                              <p:cond delay="0"/>
+                            </p:stCondLst>
+                            <p:childTnLst>
+                              <p:par>
+                                <p:cTn id="9" presetID="1" presetClass="entr" presetSubtype="0" fill="hold" nodeType="clickEffect">
+                                  <p:stCondLst>
+                                    <p:cond delay="0"/>
+                                  </p:stCondLst>
+                                  <p:childTnLst>
+                                    <p:set>
+                                      <p:cBhvr>
+                                        <p:cTn id="10" dur="1" fill="hold">
+                                          <p:stCondLst>
+                                            <p:cond delay="0"/>
+                                          </p:stCondLst>
+                                        </p:cTn>
+                                        <p:tgtEl>
+                                          <p:spTgt spid="3">
+                                            <p:txEl>
+                                              <p:pRg st="1" end="1"/>
+                                            </p:txEl>
+                                          </p:spTgt>
+                                        </p:tgtEl>
+                                        <p:attrNameLst>
+                                          <p:attrName>style.visibility</p:attrName>
+                                        </p:attrNameLst>
+                                      </p:cBhvr>
+                                      <p:to>
+                                        <p:strVal val="visible"/>
+                                      </p:to>
+                                    </p:set>
+                                  </p:childTnLst>
+                                </p:cTn>
+                              </p:par>
+                            </p:childTnLst>
+                          </p:cTn>
+                        </p:par>
+                      </p:childTnLst>
+                    </p:cTn>
+                  </p:par>
+                  <p:par>
+                    <p:cTn id="11" fill="hold">
+                      <p:stCondLst>
+                        <p:cond delay="indefinite"/>
+                      </p:stCondLst>
+                      <p:childTnLst>
+                        <p:par>
+                          <p:cTn id="12" fill="hold">
+                            <p:stCondLst>
+                              <p:cond delay="0"/>
+                            </p:stCondLst>
+                            <p:childTnLst>
+                              <p:par>
+                                <p:cTn id="13" presetID="1" presetClass="entr" presetSubtype="0" fill="hold" nodeType="clickEffect">
+                                  <p:stCondLst>
+                                    <p:cond delay="0"/>
+                                  </p:stCondLst>
+                                  <p:childTnLst>
+                                    <p:set>
+                                      <p:cBhvr>
+                                        <p:cTn id="14" dur="1" fill="hold">
+                                          <p:stCondLst>
+                                            <p:cond delay="0"/>
+                                          </p:stCondLst>
+                                        </p:cTn>
+                                        <p:tgtEl>
+                                          <p:spTgt spid="3">
+                                            <p:txEl>
+                                              <p:pRg st="2" end="2"/>
+                                            </p:txEl>
+                                          </p:spTgt>
+                                        </p:tgtEl>
+                                        <p:attrNameLst>
+                                          <p:attrName>style.visibility</p:attrName>
+                                        </p:attrNameLst>
+                                      </p:cBhvr>
+                                      <p:to>
+                                        <p:strVal val="visible"/>
+                                      </p:to>
+                                    </p:set>
+                                  </p:childTnLst>
+                                </p:cTn>
+                              </p:par>
+                            </p:childTnLst>
+                          </p:cTn>
+                        </p:par>
+                      </p:childTnLst>
+                    </p:cTn>
+                  </p:par>
+                  <p:par>
+                    <p:cTn id="15" fill="hold">
+                      <p:stCondLst>
+                        <p:cond delay="indefinite"/>
+                      </p:stCondLst>
+                      <p:childTnLst>
+                        <p:par>
+                          <p:cTn id="16" fill="hold">
+                            <p:stCondLst>
+                              <p:cond delay="0"/>
+                            </p:stCondLst>
+                            <p:childTnLst>
+                              <p:par>
+                                <p:cTn id="17" presetID="1" presetClass="entr" presetSubtype="0" fill="hold" nodeType="clickEffect">
+                                  <p:stCondLst>
+                                    <p:cond delay="0"/>
+                                  </p:stCondLst>
+                                  <p:childTnLst>
+                                    <p:set>
+                                      <p:cBhvr>
+                                        <p:cTn id="18" dur="1" fill="hold">
+                                          <p:stCondLst>
+                                            <p:cond delay="0"/>
+                                          </p:stCondLst>
+                                        </p:cTn>
+                                        <p:tgtEl>
+                                          <p:spTgt spid="3">
+                                            <p:txEl>
+                                              <p:pRg st="3" end="3"/>
+                                            </p:txEl>
+                                          </p:spTgt>
+                                        </p:tgtEl>
+                                        <p:attrNameLst>
+                                          <p:attrName>style.visibility</p:attrName>
+                                        </p:attrNameLst>
+                                      </p:cBhvr>
+                                      <p:to>
+                                        <p:strVal val="visible"/>
+                                      </p:to>
+                                    </p:set>
+                                  </p:childTnLst>
+                                </p:cTn>
+                              </p:par>
+                            </p:childTnLst>
+                          </p:cTn>
+                        </p:par>
+                      </p:childTnLst>
+                    </p:cTn>
+                  </p:par>
+                  <p:par>
+                    <p:cTn id="19" fill="hold">
+                      <p:stCondLst>
+                        <p:cond delay="indefinite"/>
+                      </p:stCondLst>
+                      <p:childTnLst>
+                        <p:par>
+                          <p:cTn id="20" fill="hold">
+                            <p:stCondLst>
+                              <p:cond delay="0"/>
+                            </p:stCondLst>
+                            <p:childTnLst>
+                              <p:par>
+                                <p:cTn id="21" presetID="1" presetClass="entr" presetSubtype="0" fill="hold" nodeType="clickEffect">
+                                  <p:stCondLst>
+                                    <p:cond delay="0"/>
+                                  </p:stCondLst>
+                                  <p:childTnLst>
+                                    <p:set>
+                                      <p:cBhvr>
+                                        <p:cTn id="22" dur="1" fill="hold">
+                                          <p:stCondLst>
+                                            <p:cond delay="0"/>
+                                          </p:stCondLst>
+                                        </p:cTn>
+                                        <p:tgtEl>
+                                          <p:spTgt spid="3">
+                                            <p:txEl>
+                                              <p:pRg st="5" end="5"/>
+                                            </p:txEl>
+                                          </p:spTgt>
+                                        </p:tgtEl>
+                                        <p:attrNameLst>
+                                          <p:attrName>style.visibility</p:attrName>
+                                        </p:attrNameLst>
+                                      </p:cBhvr>
+                                      <p:to>
+                                        <p:strVal val="visible"/>
+                                      </p:to>
+                                    </p:set>
+                                  </p:childTnLst>
+                                </p:cTn>
+                              </p:par>
+                            </p:childTnLst>
+                          </p:cTn>
+                        </p:par>
+                      </p:childTnLst>
+                    </p:cTn>
+                  </p:par>
+                  <p:par>
+                    <p:cTn id="23" fill="hold">
+                      <p:stCondLst>
+                        <p:cond delay="indefinite"/>
+                      </p:stCondLst>
+                      <p:childTnLst>
+                        <p:par>
+                          <p:cTn id="24" fill="hold">
+                            <p:stCondLst>
+                              <p:cond delay="0"/>
+                            </p:stCondLst>
+                            <p:childTnLst>
+                              <p:par>
+                                <p:cTn id="25" presetID="1" presetClass="entr" presetSubtype="0" fill="hold" nodeType="clickEffect">
+                                  <p:stCondLst>
+                                    <p:cond delay="0"/>
+                                  </p:stCondLst>
+                                  <p:childTnLst>
+                                    <p:set>
+                                      <p:cBhvr>
+                                        <p:cTn id="26" dur="1" fill="hold">
+                                          <p:stCondLst>
+                                            <p:cond delay="0"/>
+                                          </p:stCondLst>
+                                        </p:cTn>
+                                        <p:tgtEl>
+                                          <p:spTgt spid="3">
+                                            <p:txEl>
+                                              <p:pRg st="6" end="6"/>
+                                            </p:txEl>
+                                          </p:spTgt>
+                                        </p:tgtEl>
+                                        <p:attrNameLst>
+                                          <p:attrName>style.visibility</p:attrName>
+                                        </p:attrNameLst>
+                                      </p:cBhvr>
+                                      <p:to>
+                                        <p:strVal val="visible"/>
+                                      </p:to>
+                                    </p:set>
+                                  </p:childTnLst>
+                                </p:cTn>
+                              </p:par>
+                            </p:childTnLst>
+                          </p:cTn>
+                        </p:par>
+                      </p:childTnLst>
+                    </p:cTn>
+                  </p:par>
+                  <p:par>
+                    <p:cTn id="27" fill="hold">
+                      <p:stCondLst>
+                        <p:cond delay="indefinite"/>
+                      </p:stCondLst>
+                      <p:childTnLst>
+                        <p:par>
+                          <p:cTn id="28" fill="hold">
+                            <p:stCondLst>
+                              <p:cond delay="0"/>
+                            </p:stCondLst>
+                            <p:childTnLst>
+                              <p:par>
+                                <p:cTn id="29" presetID="1" presetClass="entr" presetSubtype="0" fill="hold" nodeType="clickEffect">
+                                  <p:stCondLst>
+                                    <p:cond delay="0"/>
+                                  </p:stCondLst>
+                                  <p:childTnLst>
+                                    <p:set>
+                                      <p:cBhvr>
+                                        <p:cTn id="30" dur="1" fill="hold">
+                                          <p:stCondLst>
+                                            <p:cond delay="0"/>
+                                          </p:stCondLst>
+                                        </p:cTn>
+                                        <p:tgtEl>
+                                          <p:spTgt spid="3">
+                                            <p:txEl>
+                                              <p:pRg st="7" end="7"/>
+                                            </p:txEl>
+                                          </p:spTgt>
+                                        </p:tgtEl>
+                                        <p:attrNameLst>
+                                          <p:attrName>style.visibility</p:attrName>
+                                        </p:attrNameLst>
+                                      </p:cBhvr>
+                                      <p:to>
+                                        <p:strVal val="visible"/>
+                                      </p:to>
+                                    </p:set>
+                                  </p:childTnLst>
+                                </p:cTn>
+                              </p:par>
+                            </p:childTnLst>
+                          </p:cTn>
+                        </p:par>
+                      </p:childTnLst>
+                    </p:cTn>
+                  </p:par>
+                  <p:par>
+                    <p:cTn id="31" fill="hold">
+                      <p:stCondLst>
+                        <p:cond delay="indefinite"/>
+                      </p:stCondLst>
+                      <p:childTnLst>
+                        <p:par>
+                          <p:cTn id="32" fill="hold">
+                            <p:stCondLst>
+                              <p:cond delay="0"/>
+                            </p:stCondLst>
+                            <p:childTnLst>
+                              <p:par>
+                                <p:cTn id="33" presetID="1" presetClass="entr" presetSubtype="0" fill="hold" nodeType="clickEffect">
+                                  <p:stCondLst>
+                                    <p:cond delay="0"/>
+                                  </p:stCondLst>
+                                  <p:childTnLst>
+                                    <p:set>
+                                      <p:cBhvr>
+                                        <p:cTn id="34" dur="1" fill="hold">
+                                          <p:stCondLst>
+                                            <p:cond delay="0"/>
+                                          </p:stCondLst>
+                                        </p:cTn>
+                                        <p:tgtEl>
+                                          <p:spTgt spid="3">
+                                            <p:txEl>
+                                              <p:pRg st="9" end="9"/>
+                                            </p:txEl>
+                                          </p:spTgt>
+                                        </p:tgtEl>
+                                        <p:attrNameLst>
+                                          <p:attrName>style.visibility</p:attrName>
+                                        </p:attrNameLst>
+                                      </p:cBhvr>
+                                      <p:to>
+                                        <p:strVal val="visible"/>
+                                      </p:to>
+                                    </p:set>
+                                  </p:childTnLst>
+                                </p:cTn>
+                              </p:par>
+                            </p:childTnLst>
+                          </p:cTn>
+                        </p:par>
+                      </p:childTnLst>
+                    </p:cTn>
+                  </p:par>
+                  <p:par>
+                    <p:cTn id="35" fill="hold">
+                      <p:stCondLst>
+                        <p:cond delay="indefinite"/>
+                      </p:stCondLst>
+                      <p:childTnLst>
+                        <p:par>
+                          <p:cTn id="36" fill="hold">
+                            <p:stCondLst>
+                              <p:cond delay="0"/>
+                            </p:stCondLst>
+                            <p:childTnLst>
+                              <p:par>
+                                <p:cTn id="37" presetID="1" presetClass="entr" presetSubtype="0" fill="hold" nodeType="clickEffect">
+                                  <p:stCondLst>
+                                    <p:cond delay="0"/>
+                                  </p:stCondLst>
+                                  <p:childTnLst>
+                                    <p:set>
+                                      <p:cBhvr>
+                                        <p:cTn id="38" dur="1" fill="hold">
+                                          <p:stCondLst>
+                                            <p:cond delay="0"/>
+                                          </p:stCondLst>
+                                        </p:cTn>
+                                        <p:tgtEl>
+                                          <p:spTgt spid="3">
+                                            <p:txEl>
+                                              <p:pRg st="10" end="10"/>
+                                            </p:txEl>
+                                          </p:spTgt>
+                                        </p:tgtEl>
+                                        <p:attrNameLst>
+                                          <p:attrName>style.visibility</p:attrName>
+                                        </p:attrNameLst>
+                                      </p:cBhvr>
+                                      <p:to>
+                                        <p:strVal val="visible"/>
+                                      </p:to>
+                                    </p:set>
+                                  </p:childTnLst>
+                                </p:cTn>
+                              </p:par>
+                            </p:childTnLst>
+                          </p:cTn>
+                        </p:par>
+                      </p:childTnLst>
+                    </p:cTn>
+                  </p:par>
+                </p:childTnLst>
+              </p:cTn>
+              <p:prevCondLst>
+                <p:cond evt="onPrev" delay="0">
+                  <p:tgtEl>
+                    <p:sldTgt/>
+                  </p:tgtEl>
+                </p:cond>
+              </p:prevCondLst>
+              <p:nextCondLst>
+                <p:cond evt="onNext" delay="0">
+                  <p:tgtEl>
+                    <p:sldTgt/>
+                  </p:tgtEl>
+                </p:cond>
+              </p:nextCondLst>
+            </p:seq>
+          </p:childTnLst>
+        </p:cTn>
+      </p:par>
+    </p:tnLst>
+  </p:timing>
+</p:sld>
+</file>
+
+<file path=ppt/slides/slide19.xml><?xml version="1.0" encoding="utf-8"?>
+<p:sld xmlns:a="http://schemas.openxmlformats.org/drawingml/2006/main" xmlns:r="http://schemas.openxmlformats.org/officeDocument/2006/relationships" xmlns:p="http://schemas.openxmlformats.org/presentationml/2006/main">
+  <p:cSld>
+    <p:spTree>
+      <p:nvGrpSpPr>
+        <p:cNvPr id="1" name=""/>
+        <p:cNvGrpSpPr/>
+        <p:nvPr/>
+      </p:nvGrpSpPr>
+      <p:grpSpPr>
+        <a:xfrm>
+          <a:off x="0" y="0"/>
+          <a:ext cx="0" cy="0"/>
+          <a:chOff x="0" y="0"/>
+          <a:chExt cx="0" cy="0"/>
+        </a:xfrm>
+      </p:grpSpPr>
+      <p:sp>
+        <p:nvSpPr>
+          <p:cNvPr id="2" name="Title 1">
+            <a:extLst>
+              <a:ext uri="{FF2B5EF4-FFF2-40B4-BE49-F238E27FC236}">
+                <a16:creationId xmlns:a16="http://schemas.microsoft.com/office/drawing/2014/main" id="{BEDF5270-0666-4EF6-BABA-DC77EB40FB07}"/>
+              </a:ext>
+            </a:extLst>
+          </p:cNvPr>
+          <p:cNvSpPr>
+            <a:spLocks noGrp="1"/>
+          </p:cNvSpPr>
+          <p:nvPr>
+            <p:ph type="title"/>
+          </p:nvPr>
+        </p:nvSpPr>
+        <p:spPr/>
+        <p:txBody>
+          <a:bodyPr/>
+          <a:lstStyle/>
+          <a:p>
+            <a:r>
+              <a:rPr lang="en-US" dirty="0"/>
+              <a:t>Putting it all together (1/7)</a:t>
             </a:r>
           </a:p>
         </p:txBody>
@@ -10946,7 +11684,152 @@
 </p:sld>
 </file>
 
-<file path=ppt/slides/slide19.xml><?xml version="1.0" encoding="utf-8"?>
+<file path=ppt/slides/slide2.xml><?xml version="1.0" encoding="utf-8"?>
+<p:sld xmlns:a="http://schemas.openxmlformats.org/drawingml/2006/main" xmlns:r="http://schemas.openxmlformats.org/officeDocument/2006/relationships" xmlns:p="http://schemas.openxmlformats.org/presentationml/2006/main">
+  <p:cSld>
+    <p:spTree>
+      <p:nvGrpSpPr>
+        <p:cNvPr id="1" name=""/>
+        <p:cNvGrpSpPr/>
+        <p:nvPr/>
+      </p:nvGrpSpPr>
+      <p:grpSpPr>
+        <a:xfrm>
+          <a:off x="0" y="0"/>
+          <a:ext cx="0" cy="0"/>
+          <a:chOff x="0" y="0"/>
+          <a:chExt cx="0" cy="0"/>
+        </a:xfrm>
+      </p:grpSpPr>
+      <p:sp>
+        <p:nvSpPr>
+          <p:cNvPr id="2" name="Title 1">
+            <a:extLst>
+              <a:ext uri="{FF2B5EF4-FFF2-40B4-BE49-F238E27FC236}">
+                <a16:creationId xmlns:a16="http://schemas.microsoft.com/office/drawing/2014/main" id="{51BC44D7-475A-482A-B5BA-DD56647B8EFB}"/>
+              </a:ext>
+            </a:extLst>
+          </p:cNvPr>
+          <p:cNvSpPr>
+            <a:spLocks noGrp="1"/>
+          </p:cNvSpPr>
+          <p:nvPr>
+            <p:ph type="title"/>
+          </p:nvPr>
+        </p:nvSpPr>
+        <p:spPr/>
+        <p:txBody>
+          <a:bodyPr/>
+          <a:lstStyle/>
+          <a:p>
+            <a:r>
+              <a:rPr lang="en-US" dirty="0"/>
+              <a:t>What to get out of this seminar</a:t>
+            </a:r>
+          </a:p>
+        </p:txBody>
+      </p:sp>
+      <p:sp>
+        <p:nvSpPr>
+          <p:cNvPr id="3" name="Content Placeholder 2">
+            <a:extLst>
+              <a:ext uri="{FF2B5EF4-FFF2-40B4-BE49-F238E27FC236}">
+                <a16:creationId xmlns:a16="http://schemas.microsoft.com/office/drawing/2014/main" id="{7ED31857-DD99-4A75-B34B-558A81CA01EE}"/>
+              </a:ext>
+            </a:extLst>
+          </p:cNvPr>
+          <p:cNvSpPr>
+            <a:spLocks noGrp="1"/>
+          </p:cNvSpPr>
+          <p:nvPr>
+            <p:ph idx="1"/>
+          </p:nvPr>
+        </p:nvSpPr>
+        <p:spPr/>
+        <p:txBody>
+          <a:bodyPr>
+            <a:normAutofit/>
+          </a:bodyPr>
+          <a:lstStyle/>
+          <a:p>
+            <a:r>
+              <a:rPr lang="en-US" dirty="0"/>
+              <a:t>Understanding of basic coding concepts</a:t>
+            </a:r>
+          </a:p>
+          <a:p>
+            <a:r>
+              <a:rPr lang="en-US" dirty="0"/>
+              <a:t>Understanding of how VBA manipulates cells in Excel</a:t>
+            </a:r>
+          </a:p>
+          <a:p>
+            <a:r>
+              <a:rPr lang="en-US" dirty="0"/>
+              <a:t>Provide you with the tools to explore further</a:t>
+            </a:r>
+          </a:p>
+          <a:p>
+            <a:endParaRPr lang="en-US" dirty="0"/>
+          </a:p>
+          <a:p>
+            <a:pPr marL="0" indent="0">
+              <a:buNone/>
+            </a:pPr>
+            <a:r>
+              <a:rPr lang="en-US" dirty="0"/>
+              <a:t>All materials are in:</a:t>
+            </a:r>
+          </a:p>
+          <a:p>
+            <a:pPr marL="0" indent="0">
+              <a:buNone/>
+            </a:pPr>
+            <a:r>
+              <a:rPr lang="en-US" dirty="0"/>
+              <a:t>shorturl.at/</a:t>
+            </a:r>
+            <a:r>
+              <a:rPr lang="en-US" dirty="0" err="1"/>
+              <a:t>elnxY</a:t>
+            </a:r>
+            <a:endParaRPr lang="en-US" dirty="0"/>
+          </a:p>
+          <a:p>
+            <a:r>
+              <a:rPr lang="en-US" dirty="0"/>
+              <a:t>Download the .xlsx dataset and this </a:t>
+            </a:r>
+            <a:r>
+              <a:rPr lang="en-US" dirty="0" err="1"/>
+              <a:t>powerpoint</a:t>
+            </a:r>
+            <a:r>
+              <a:rPr lang="en-US" dirty="0"/>
+              <a:t> </a:t>
+            </a:r>
+            <a:r>
+              <a:rPr lang="en-US"/>
+              <a:t>to take notes</a:t>
+            </a:r>
+            <a:endParaRPr lang="en-US" dirty="0"/>
+          </a:p>
+        </p:txBody>
+      </p:sp>
+    </p:spTree>
+    <p:extLst>
+      <p:ext uri="{BB962C8B-B14F-4D97-AF65-F5344CB8AC3E}">
+        <p14:creationId xmlns:p14="http://schemas.microsoft.com/office/powerpoint/2010/main" val="2392110929"/>
+      </p:ext>
+    </p:extLst>
+  </p:cSld>
+  <p:clrMapOvr>
+    <a:masterClrMapping/>
+  </p:clrMapOvr>
+</p:sld>
+</file>
+
+<file path=ppt/slides/slide20.xml><?xml version="1.0" encoding="utf-8"?>
 <p:sld xmlns:a="http://schemas.openxmlformats.org/drawingml/2006/main" xmlns:r="http://schemas.openxmlformats.org/officeDocument/2006/relationships" xmlns:p="http://schemas.openxmlformats.org/presentationml/2006/main">
   <p:cSld>
     <p:spTree>
@@ -10986,7 +11869,7 @@
           <a:p>
             <a:r>
               <a:rPr lang="en-US" dirty="0"/>
-              <a:t>Putting it all together (2/6)</a:t>
+              <a:t>Putting it all together (2/7)</a:t>
             </a:r>
           </a:p>
         </p:txBody>
@@ -11857,107 +12740,7 @@
 </p:sld>
 </file>
 
-<file path=ppt/slides/slide2.xml><?xml version="1.0" encoding="utf-8"?>
-<p:sld xmlns:a="http://schemas.openxmlformats.org/drawingml/2006/main" xmlns:r="http://schemas.openxmlformats.org/officeDocument/2006/relationships" xmlns:p="http://schemas.openxmlformats.org/presentationml/2006/main">
-  <p:cSld>
-    <p:spTree>
-      <p:nvGrpSpPr>
-        <p:cNvPr id="1" name=""/>
-        <p:cNvGrpSpPr/>
-        <p:nvPr/>
-      </p:nvGrpSpPr>
-      <p:grpSpPr>
-        <a:xfrm>
-          <a:off x="0" y="0"/>
-          <a:ext cx="0" cy="0"/>
-          <a:chOff x="0" y="0"/>
-          <a:chExt cx="0" cy="0"/>
-        </a:xfrm>
-      </p:grpSpPr>
-      <p:sp>
-        <p:nvSpPr>
-          <p:cNvPr id="2" name="Title 1">
-            <a:extLst>
-              <a:ext uri="{FF2B5EF4-FFF2-40B4-BE49-F238E27FC236}">
-                <a16:creationId xmlns:a16="http://schemas.microsoft.com/office/drawing/2014/main" id="{51BC44D7-475A-482A-B5BA-DD56647B8EFB}"/>
-              </a:ext>
-            </a:extLst>
-          </p:cNvPr>
-          <p:cNvSpPr>
-            <a:spLocks noGrp="1"/>
-          </p:cNvSpPr>
-          <p:nvPr>
-            <p:ph type="title"/>
-          </p:nvPr>
-        </p:nvSpPr>
-        <p:spPr/>
-        <p:txBody>
-          <a:bodyPr/>
-          <a:lstStyle/>
-          <a:p>
-            <a:r>
-              <a:rPr lang="en-US" dirty="0"/>
-              <a:t>What to get out of this seminar</a:t>
-            </a:r>
-          </a:p>
-        </p:txBody>
-      </p:sp>
-      <p:sp>
-        <p:nvSpPr>
-          <p:cNvPr id="3" name="Content Placeholder 2">
-            <a:extLst>
-              <a:ext uri="{FF2B5EF4-FFF2-40B4-BE49-F238E27FC236}">
-                <a16:creationId xmlns:a16="http://schemas.microsoft.com/office/drawing/2014/main" id="{7ED31857-DD99-4A75-B34B-558A81CA01EE}"/>
-              </a:ext>
-            </a:extLst>
-          </p:cNvPr>
-          <p:cNvSpPr>
-            <a:spLocks noGrp="1"/>
-          </p:cNvSpPr>
-          <p:nvPr>
-            <p:ph idx="1"/>
-          </p:nvPr>
-        </p:nvSpPr>
-        <p:spPr/>
-        <p:txBody>
-          <a:bodyPr>
-            <a:normAutofit/>
-          </a:bodyPr>
-          <a:lstStyle/>
-          <a:p>
-            <a:r>
-              <a:rPr lang="en-US" dirty="0"/>
-              <a:t>Understanding of basic coding concepts</a:t>
-            </a:r>
-          </a:p>
-          <a:p>
-            <a:r>
-              <a:rPr lang="en-US" dirty="0"/>
-              <a:t>Understanding of how VBA manipulates cells in Excel</a:t>
-            </a:r>
-          </a:p>
-          <a:p>
-            <a:r>
-              <a:rPr lang="en-US" dirty="0"/>
-              <a:t>Provide you with the tools to explore further</a:t>
-            </a:r>
-          </a:p>
-        </p:txBody>
-      </p:sp>
-    </p:spTree>
-    <p:extLst>
-      <p:ext uri="{BB962C8B-B14F-4D97-AF65-F5344CB8AC3E}">
-        <p14:creationId xmlns:p14="http://schemas.microsoft.com/office/powerpoint/2010/main" val="2392110929"/>
-      </p:ext>
-    </p:extLst>
-  </p:cSld>
-  <p:clrMapOvr>
-    <a:masterClrMapping/>
-  </p:clrMapOvr>
-</p:sld>
-</file>
-
-<file path=ppt/slides/slide20.xml><?xml version="1.0" encoding="utf-8"?>
+<file path=ppt/slides/slide21.xml><?xml version="1.0" encoding="utf-8"?>
 <p:sld xmlns:a="http://schemas.openxmlformats.org/drawingml/2006/main" xmlns:r="http://schemas.openxmlformats.org/officeDocument/2006/relationships" xmlns:p="http://schemas.openxmlformats.org/presentationml/2006/main">
   <p:cSld>
     <p:spTree>
@@ -11997,7 +12780,548 @@
           <a:p>
             <a:r>
               <a:rPr lang="en-US" dirty="0"/>
-              <a:t>Putting it all together (3/6)</a:t>
+              <a:t>Putting it all together (3/7)</a:t>
+            </a:r>
+          </a:p>
+        </p:txBody>
+      </p:sp>
+      <p:sp>
+        <p:nvSpPr>
+          <p:cNvPr id="7" name="Content Placeholder 6">
+            <a:extLst>
+              <a:ext uri="{FF2B5EF4-FFF2-40B4-BE49-F238E27FC236}">
+                <a16:creationId xmlns:a16="http://schemas.microsoft.com/office/drawing/2014/main" id="{C4B50736-5AC7-40E2-8D7C-413E69491A98}"/>
+              </a:ext>
+            </a:extLst>
+          </p:cNvPr>
+          <p:cNvSpPr>
+            <a:spLocks noGrp="1"/>
+          </p:cNvSpPr>
+          <p:nvPr>
+            <p:ph idx="1"/>
+          </p:nvPr>
+        </p:nvSpPr>
+        <p:spPr>
+          <a:xfrm>
+            <a:off x="677334" y="1930400"/>
+            <a:ext cx="8596668" cy="4866640"/>
+          </a:xfrm>
+        </p:spPr>
+        <p:txBody>
+          <a:bodyPr>
+            <a:normAutofit/>
+          </a:bodyPr>
+          <a:lstStyle/>
+          <a:p>
+            <a:pPr marL="0" indent="0">
+              <a:buNone/>
+            </a:pPr>
+            <a:r>
+              <a:rPr lang="en-US" dirty="0"/>
+              <a:t>Class exercises</a:t>
+            </a:r>
+          </a:p>
+          <a:p>
+            <a:r>
+              <a:rPr lang="en-US" dirty="0"/>
+              <a:t>Lets add another business rule </a:t>
+            </a:r>
+          </a:p>
+          <a:p>
+            <a:pPr lvl="1"/>
+            <a:r>
+              <a:rPr lang="en-US" dirty="0"/>
+              <a:t>No outstanding loan can be negative and if it is, make it positive</a:t>
+            </a:r>
+          </a:p>
+          <a:p>
+            <a:r>
+              <a:rPr lang="en-US" dirty="0"/>
+              <a:t>Lets add a KPI! </a:t>
+            </a:r>
+          </a:p>
+          <a:p>
+            <a:pPr lvl="1"/>
+            <a:r>
+              <a:rPr lang="en-US" dirty="0"/>
+              <a:t>Income/Outstanding Loan Ratio (New column </a:t>
+            </a:r>
+            <a:r>
+              <a:rPr lang="en-US" dirty="0">
+                <a:sym typeface="Wingdings" panose="05000000000000000000" pitchFamily="2" charset="2"/>
+              </a:rPr>
+              <a:t> Inc/</a:t>
+            </a:r>
+            <a:r>
+              <a:rPr lang="en-US" dirty="0" err="1">
+                <a:sym typeface="Wingdings" panose="05000000000000000000" pitchFamily="2" charset="2"/>
+              </a:rPr>
+              <a:t>Outanding</a:t>
+            </a:r>
+            <a:r>
+              <a:rPr lang="en-US" dirty="0"/>
+              <a:t>)</a:t>
+            </a:r>
+          </a:p>
+          <a:p>
+            <a:pPr lvl="1"/>
+            <a:r>
+              <a:rPr lang="en-US" dirty="0"/>
+              <a:t>Label the ratio as bad, good, great, excellent (New column </a:t>
+            </a:r>
+            <a:r>
+              <a:rPr lang="en-US" dirty="0">
+                <a:sym typeface="Wingdings" panose="05000000000000000000" pitchFamily="2" charset="2"/>
+              </a:rPr>
+              <a:t> Inc/Outstanding)</a:t>
+            </a:r>
+          </a:p>
+          <a:p>
+            <a:r>
+              <a:rPr lang="en-US" dirty="0">
+                <a:sym typeface="Wingdings" panose="05000000000000000000" pitchFamily="2" charset="2"/>
+              </a:rPr>
+              <a:t>Put it all into your main!</a:t>
+            </a:r>
+            <a:endParaRPr lang="en-US" dirty="0"/>
+          </a:p>
+          <a:p>
+            <a:pPr lvl="1"/>
+            <a:endParaRPr lang="en-US" dirty="0"/>
+          </a:p>
+          <a:p>
+            <a:pPr lvl="1"/>
+            <a:endParaRPr lang="en-US" dirty="0"/>
+          </a:p>
+        </p:txBody>
+      </p:sp>
+    </p:spTree>
+    <p:extLst>
+      <p:ext uri="{BB962C8B-B14F-4D97-AF65-F5344CB8AC3E}">
+        <p14:creationId xmlns:p14="http://schemas.microsoft.com/office/powerpoint/2010/main" val="3866713820"/>
+      </p:ext>
+    </p:extLst>
+  </p:cSld>
+  <p:clrMapOvr>
+    <a:masterClrMapping/>
+  </p:clrMapOvr>
+  <p:timing>
+    <p:tnLst>
+      <p:par>
+        <p:cTn id="1" dur="indefinite" restart="never" nodeType="tmRoot">
+          <p:childTnLst>
+            <p:seq concurrent="1" nextAc="seek">
+              <p:cTn id="2" dur="indefinite" nodeType="mainSeq">
+                <p:childTnLst>
+                  <p:par>
+                    <p:cTn id="3" fill="hold">
+                      <p:stCondLst>
+                        <p:cond delay="indefinite"/>
+                      </p:stCondLst>
+                      <p:childTnLst>
+                        <p:par>
+                          <p:cTn id="4" fill="hold">
+                            <p:stCondLst>
+                              <p:cond delay="0"/>
+                            </p:stCondLst>
+                            <p:childTnLst>
+                              <p:par>
+                                <p:cTn id="5" presetID="1" presetClass="entr" presetSubtype="0" fill="hold" nodeType="clickEffect">
+                                  <p:stCondLst>
+                                    <p:cond delay="0"/>
+                                  </p:stCondLst>
+                                  <p:childTnLst>
+                                    <p:set>
+                                      <p:cBhvr>
+                                        <p:cTn id="6" dur="1" fill="hold">
+                                          <p:stCondLst>
+                                            <p:cond delay="0"/>
+                                          </p:stCondLst>
+                                        </p:cTn>
+                                        <p:tgtEl>
+                                          <p:spTgt spid="7">
+                                            <p:txEl>
+                                              <p:pRg st="3" end="3"/>
+                                            </p:txEl>
+                                          </p:spTgt>
+                                        </p:tgtEl>
+                                        <p:attrNameLst>
+                                          <p:attrName>style.visibility</p:attrName>
+                                        </p:attrNameLst>
+                                      </p:cBhvr>
+                                      <p:to>
+                                        <p:strVal val="visible"/>
+                                      </p:to>
+                                    </p:set>
+                                  </p:childTnLst>
+                                </p:cTn>
+                              </p:par>
+                            </p:childTnLst>
+                          </p:cTn>
+                        </p:par>
+                      </p:childTnLst>
+                    </p:cTn>
+                  </p:par>
+                  <p:par>
+                    <p:cTn id="7" fill="hold">
+                      <p:stCondLst>
+                        <p:cond delay="indefinite"/>
+                      </p:stCondLst>
+                      <p:childTnLst>
+                        <p:par>
+                          <p:cTn id="8" fill="hold">
+                            <p:stCondLst>
+                              <p:cond delay="0"/>
+                            </p:stCondLst>
+                            <p:childTnLst>
+                              <p:par>
+                                <p:cTn id="9" presetID="1" presetClass="entr" presetSubtype="0" fill="hold" nodeType="clickEffect">
+                                  <p:stCondLst>
+                                    <p:cond delay="0"/>
+                                  </p:stCondLst>
+                                  <p:childTnLst>
+                                    <p:set>
+                                      <p:cBhvr>
+                                        <p:cTn id="10" dur="1" fill="hold">
+                                          <p:stCondLst>
+                                            <p:cond delay="0"/>
+                                          </p:stCondLst>
+                                        </p:cTn>
+                                        <p:tgtEl>
+                                          <p:spTgt spid="7">
+                                            <p:txEl>
+                                              <p:pRg st="1" end="1"/>
+                                            </p:txEl>
+                                          </p:spTgt>
+                                        </p:tgtEl>
+                                        <p:attrNameLst>
+                                          <p:attrName>style.visibility</p:attrName>
+                                        </p:attrNameLst>
+                                      </p:cBhvr>
+                                      <p:to>
+                                        <p:strVal val="visible"/>
+                                      </p:to>
+                                    </p:set>
+                                  </p:childTnLst>
+                                </p:cTn>
+                              </p:par>
+                            </p:childTnLst>
+                          </p:cTn>
+                        </p:par>
+                      </p:childTnLst>
+                    </p:cTn>
+                  </p:par>
+                  <p:par>
+                    <p:cTn id="11" fill="hold">
+                      <p:stCondLst>
+                        <p:cond delay="indefinite"/>
+                      </p:stCondLst>
+                      <p:childTnLst>
+                        <p:par>
+                          <p:cTn id="12" fill="hold">
+                            <p:stCondLst>
+                              <p:cond delay="0"/>
+                            </p:stCondLst>
+                            <p:childTnLst>
+                              <p:par>
+                                <p:cTn id="13" presetID="1" presetClass="entr" presetSubtype="0" fill="hold" nodeType="clickEffect">
+                                  <p:stCondLst>
+                                    <p:cond delay="0"/>
+                                  </p:stCondLst>
+                                  <p:childTnLst>
+                                    <p:set>
+                                      <p:cBhvr>
+                                        <p:cTn id="14" dur="1" fill="hold">
+                                          <p:stCondLst>
+                                            <p:cond delay="0"/>
+                                          </p:stCondLst>
+                                        </p:cTn>
+                                        <p:tgtEl>
+                                          <p:spTgt spid="7">
+                                            <p:txEl>
+                                              <p:pRg st="2" end="2"/>
+                                            </p:txEl>
+                                          </p:spTgt>
+                                        </p:tgtEl>
+                                        <p:attrNameLst>
+                                          <p:attrName>style.visibility</p:attrName>
+                                        </p:attrNameLst>
+                                      </p:cBhvr>
+                                      <p:to>
+                                        <p:strVal val="visible"/>
+                                      </p:to>
+                                    </p:set>
+                                  </p:childTnLst>
+                                </p:cTn>
+                              </p:par>
+                            </p:childTnLst>
+                          </p:cTn>
+                        </p:par>
+                      </p:childTnLst>
+                    </p:cTn>
+                  </p:par>
+                  <p:par>
+                    <p:cTn id="15" fill="hold">
+                      <p:stCondLst>
+                        <p:cond delay="indefinite"/>
+                      </p:stCondLst>
+                      <p:childTnLst>
+                        <p:par>
+                          <p:cTn id="16" fill="hold">
+                            <p:stCondLst>
+                              <p:cond delay="0"/>
+                            </p:stCondLst>
+                            <p:childTnLst>
+                              <p:par>
+                                <p:cTn id="17" presetID="1" presetClass="entr" presetSubtype="0" fill="hold" nodeType="clickEffect">
+                                  <p:stCondLst>
+                                    <p:cond delay="0"/>
+                                  </p:stCondLst>
+                                  <p:childTnLst>
+                                    <p:set>
+                                      <p:cBhvr>
+                                        <p:cTn id="18" dur="1" fill="hold">
+                                          <p:stCondLst>
+                                            <p:cond delay="0"/>
+                                          </p:stCondLst>
+                                        </p:cTn>
+                                        <p:tgtEl>
+                                          <p:spTgt spid="7">
+                                            <p:txEl>
+                                              <p:pRg st="0" end="0"/>
+                                            </p:txEl>
+                                          </p:spTgt>
+                                        </p:tgtEl>
+                                        <p:attrNameLst>
+                                          <p:attrName>style.visibility</p:attrName>
+                                        </p:attrNameLst>
+                                      </p:cBhvr>
+                                      <p:to>
+                                        <p:strVal val="visible"/>
+                                      </p:to>
+                                    </p:set>
+                                  </p:childTnLst>
+                                </p:cTn>
+                              </p:par>
+                            </p:childTnLst>
+                          </p:cTn>
+                        </p:par>
+                      </p:childTnLst>
+                    </p:cTn>
+                  </p:par>
+                  <p:par>
+                    <p:cTn id="19" fill="hold">
+                      <p:stCondLst>
+                        <p:cond delay="indefinite"/>
+                      </p:stCondLst>
+                      <p:childTnLst>
+                        <p:par>
+                          <p:cTn id="20" fill="hold">
+                            <p:stCondLst>
+                              <p:cond delay="0"/>
+                            </p:stCondLst>
+                            <p:childTnLst>
+                              <p:par>
+                                <p:cTn id="21" presetID="1" presetClass="entr" presetSubtype="0" fill="hold" nodeType="clickEffect">
+                                  <p:stCondLst>
+                                    <p:cond delay="0"/>
+                                  </p:stCondLst>
+                                  <p:childTnLst>
+                                    <p:set>
+                                      <p:cBhvr>
+                                        <p:cTn id="22" dur="1" fill="hold">
+                                          <p:stCondLst>
+                                            <p:cond delay="0"/>
+                                          </p:stCondLst>
+                                        </p:cTn>
+                                        <p:tgtEl>
+                                          <p:spTgt spid="7">
+                                            <p:txEl>
+                                              <p:pRg st="4" end="4"/>
+                                            </p:txEl>
+                                          </p:spTgt>
+                                        </p:tgtEl>
+                                        <p:attrNameLst>
+                                          <p:attrName>style.visibility</p:attrName>
+                                        </p:attrNameLst>
+                                      </p:cBhvr>
+                                      <p:to>
+                                        <p:strVal val="visible"/>
+                                      </p:to>
+                                    </p:set>
+                                  </p:childTnLst>
+                                </p:cTn>
+                              </p:par>
+                            </p:childTnLst>
+                          </p:cTn>
+                        </p:par>
+                      </p:childTnLst>
+                    </p:cTn>
+                  </p:par>
+                  <p:par>
+                    <p:cTn id="23" fill="hold">
+                      <p:stCondLst>
+                        <p:cond delay="indefinite"/>
+                      </p:stCondLst>
+                      <p:childTnLst>
+                        <p:par>
+                          <p:cTn id="24" fill="hold">
+                            <p:stCondLst>
+                              <p:cond delay="0"/>
+                            </p:stCondLst>
+                            <p:childTnLst>
+                              <p:par>
+                                <p:cTn id="25" presetID="1" presetClass="entr" presetSubtype="0" fill="hold" nodeType="clickEffect">
+                                  <p:stCondLst>
+                                    <p:cond delay="0"/>
+                                  </p:stCondLst>
+                                  <p:childTnLst>
+                                    <p:set>
+                                      <p:cBhvr>
+                                        <p:cTn id="26" dur="1" fill="hold">
+                                          <p:stCondLst>
+                                            <p:cond delay="0"/>
+                                          </p:stCondLst>
+                                        </p:cTn>
+                                        <p:tgtEl>
+                                          <p:spTgt spid="7">
+                                            <p:txEl>
+                                              <p:pRg st="5" end="5"/>
+                                            </p:txEl>
+                                          </p:spTgt>
+                                        </p:tgtEl>
+                                        <p:attrNameLst>
+                                          <p:attrName>style.visibility</p:attrName>
+                                        </p:attrNameLst>
+                                      </p:cBhvr>
+                                      <p:to>
+                                        <p:strVal val="visible"/>
+                                      </p:to>
+                                    </p:set>
+                                  </p:childTnLst>
+                                </p:cTn>
+                              </p:par>
+                            </p:childTnLst>
+                          </p:cTn>
+                        </p:par>
+                      </p:childTnLst>
+                    </p:cTn>
+                  </p:par>
+                  <p:par>
+                    <p:cTn id="27" fill="hold">
+                      <p:stCondLst>
+                        <p:cond delay="indefinite"/>
+                      </p:stCondLst>
+                      <p:childTnLst>
+                        <p:par>
+                          <p:cTn id="28" fill="hold">
+                            <p:stCondLst>
+                              <p:cond delay="0"/>
+                            </p:stCondLst>
+                            <p:childTnLst>
+                              <p:par>
+                                <p:cTn id="29" presetID="1" presetClass="entr" presetSubtype="0" fill="hold" nodeType="clickEffect">
+                                  <p:stCondLst>
+                                    <p:cond delay="0"/>
+                                  </p:stCondLst>
+                                  <p:childTnLst>
+                                    <p:set>
+                                      <p:cBhvr>
+                                        <p:cTn id="30" dur="1" fill="hold">
+                                          <p:stCondLst>
+                                            <p:cond delay="0"/>
+                                          </p:stCondLst>
+                                        </p:cTn>
+                                        <p:tgtEl>
+                                          <p:spTgt spid="7">
+                                            <p:txEl>
+                                              <p:pRg st="6" end="6"/>
+                                            </p:txEl>
+                                          </p:spTgt>
+                                        </p:tgtEl>
+                                        <p:attrNameLst>
+                                          <p:attrName>style.visibility</p:attrName>
+                                        </p:attrNameLst>
+                                      </p:cBhvr>
+                                      <p:to>
+                                        <p:strVal val="visible"/>
+                                      </p:to>
+                                    </p:set>
+                                  </p:childTnLst>
+                                </p:cTn>
+                              </p:par>
+                            </p:childTnLst>
+                          </p:cTn>
+                        </p:par>
+                      </p:childTnLst>
+                    </p:cTn>
+                  </p:par>
+                </p:childTnLst>
+              </p:cTn>
+              <p:prevCondLst>
+                <p:cond evt="onPrev" delay="0">
+                  <p:tgtEl>
+                    <p:sldTgt/>
+                  </p:tgtEl>
+                </p:cond>
+              </p:prevCondLst>
+              <p:nextCondLst>
+                <p:cond evt="onNext" delay="0">
+                  <p:tgtEl>
+                    <p:sldTgt/>
+                  </p:tgtEl>
+                </p:cond>
+              </p:nextCondLst>
+            </p:seq>
+          </p:childTnLst>
+        </p:cTn>
+      </p:par>
+    </p:tnLst>
+  </p:timing>
+</p:sld>
+</file>
+
+<file path=ppt/slides/slide22.xml><?xml version="1.0" encoding="utf-8"?>
+<p:sld xmlns:a="http://schemas.openxmlformats.org/drawingml/2006/main" xmlns:r="http://schemas.openxmlformats.org/officeDocument/2006/relationships" xmlns:p="http://schemas.openxmlformats.org/presentationml/2006/main">
+  <p:cSld>
+    <p:spTree>
+      <p:nvGrpSpPr>
+        <p:cNvPr id="1" name=""/>
+        <p:cNvGrpSpPr/>
+        <p:nvPr/>
+      </p:nvGrpSpPr>
+      <p:grpSpPr>
+        <a:xfrm>
+          <a:off x="0" y="0"/>
+          <a:ext cx="0" cy="0"/>
+          <a:chOff x="0" y="0"/>
+          <a:chExt cx="0" cy="0"/>
+        </a:xfrm>
+      </p:grpSpPr>
+      <p:sp>
+        <p:nvSpPr>
+          <p:cNvPr id="2" name="Title 1">
+            <a:extLst>
+              <a:ext uri="{FF2B5EF4-FFF2-40B4-BE49-F238E27FC236}">
+                <a16:creationId xmlns:a16="http://schemas.microsoft.com/office/drawing/2014/main" id="{BEDF5270-0666-4EF6-BABA-DC77EB40FB07}"/>
+              </a:ext>
+            </a:extLst>
+          </p:cNvPr>
+          <p:cNvSpPr>
+            <a:spLocks noGrp="1"/>
+          </p:cNvSpPr>
+          <p:nvPr>
+            <p:ph type="title"/>
+          </p:nvPr>
+        </p:nvSpPr>
+        <p:spPr/>
+        <p:txBody>
+          <a:bodyPr/>
+          <a:lstStyle/>
+          <a:p>
+            <a:r>
+              <a:rPr lang="en-US" dirty="0"/>
+              <a:t>Putting it all together (4/7)</a:t>
             </a:r>
           </a:p>
         </p:txBody>
@@ -12510,7 +13834,7 @@
 </p:sld>
 </file>
 
-<file path=ppt/slides/slide21.xml><?xml version="1.0" encoding="utf-8"?>
+<file path=ppt/slides/slide23.xml><?xml version="1.0" encoding="utf-8"?>
 <p:sld xmlns:a="http://schemas.openxmlformats.org/drawingml/2006/main" xmlns:r="http://schemas.openxmlformats.org/officeDocument/2006/relationships" xmlns:p="http://schemas.openxmlformats.org/presentationml/2006/main">
   <p:cSld>
     <p:spTree>
@@ -12550,7 +13874,7 @@
           <a:p>
             <a:r>
               <a:rPr lang="en-US" dirty="0"/>
-              <a:t>Putting it all together (4/6)</a:t>
+              <a:t>Putting it all together (5/7)</a:t>
             </a:r>
           </a:p>
         </p:txBody>
@@ -12695,7 +14019,7 @@
 </p:sld>
 </file>
 
-<file path=ppt/slides/slide22.xml><?xml version="1.0" encoding="utf-8"?>
+<file path=ppt/slides/slide24.xml><?xml version="1.0" encoding="utf-8"?>
 <p:sld xmlns:a="http://schemas.openxmlformats.org/drawingml/2006/main" xmlns:r="http://schemas.openxmlformats.org/officeDocument/2006/relationships" xmlns:p="http://schemas.openxmlformats.org/presentationml/2006/main">
   <p:cSld>
     <p:spTree>
@@ -12735,7 +14059,7 @@
           <a:p>
             <a:r>
               <a:rPr lang="en-US" dirty="0"/>
-              <a:t>Putting it all together (5/6)</a:t>
+              <a:t>Putting it all together (6/7)</a:t>
             </a:r>
           </a:p>
         </p:txBody>
@@ -13544,7 +14868,7 @@
 </p:sld>
 </file>
 
-<file path=ppt/slides/slide23.xml><?xml version="1.0" encoding="utf-8"?>
+<file path=ppt/slides/slide25.xml><?xml version="1.0" encoding="utf-8"?>
 <p:sld xmlns:a="http://schemas.openxmlformats.org/drawingml/2006/main" xmlns:r="http://schemas.openxmlformats.org/officeDocument/2006/relationships" xmlns:p="http://schemas.openxmlformats.org/presentationml/2006/main">
   <p:cSld>
     <p:spTree>
@@ -13584,7 +14908,7 @@
           <a:p>
             <a:r>
               <a:rPr lang="en-US" dirty="0"/>
-              <a:t>Putting it all together (6/6)</a:t>
+              <a:t>Putting it all together (7/7)</a:t>
             </a:r>
           </a:p>
         </p:txBody>
@@ -14032,7 +15356,7 @@
 </p:sld>
 </file>
 
-<file path=ppt/slides/slide24.xml><?xml version="1.0" encoding="utf-8"?>
+<file path=ppt/slides/slide26.xml><?xml version="1.0" encoding="utf-8"?>
 <p:sld xmlns:a="http://schemas.openxmlformats.org/drawingml/2006/main" xmlns:r="http://schemas.openxmlformats.org/officeDocument/2006/relationships" xmlns:p="http://schemas.openxmlformats.org/presentationml/2006/main">
   <p:cSld>
     <p:spTree>
@@ -14211,7 +15535,7 @@
 </p:sld>
 </file>
 
-<file path=ppt/slides/slide25.xml><?xml version="1.0" encoding="utf-8"?>
+<file path=ppt/slides/slide27.xml><?xml version="1.0" encoding="utf-8"?>
 <p:sld xmlns:a="http://schemas.openxmlformats.org/drawingml/2006/main" xmlns:r="http://schemas.openxmlformats.org/officeDocument/2006/relationships" xmlns:p="http://schemas.openxmlformats.org/presentationml/2006/main">
   <p:cSld>
     <p:spTree>
@@ -14332,7 +15656,7 @@
 </p:sld>
 </file>
 
-<file path=ppt/slides/slide26.xml><?xml version="1.0" encoding="utf-8"?>
+<file path=ppt/slides/slide28.xml><?xml version="1.0" encoding="utf-8"?>
 <p:sld xmlns:a="http://schemas.openxmlformats.org/drawingml/2006/main" xmlns:r="http://schemas.openxmlformats.org/officeDocument/2006/relationships" xmlns:p="http://schemas.openxmlformats.org/presentationml/2006/main">
   <p:cSld>
     <p:spTree>
@@ -14976,7 +16300,7 @@
 </p:sld>
 </file>
 
-<file path=ppt/slides/slide27.xml><?xml version="1.0" encoding="utf-8"?>
+<file path=ppt/slides/slide29.xml><?xml version="1.0" encoding="utf-8"?>
 <p:sld xmlns:a="http://schemas.openxmlformats.org/drawingml/2006/main" xmlns:r="http://schemas.openxmlformats.org/officeDocument/2006/relationships" xmlns:p="http://schemas.openxmlformats.org/presentationml/2006/main">
   <p:cSld>
     <p:spTree>
@@ -15173,7 +16497,174 @@
 </p:sld>
 </file>
 
-<file path=ppt/slides/slide28.xml><?xml version="1.0" encoding="utf-8"?>
+<file path=ppt/slides/slide3.xml><?xml version="1.0" encoding="utf-8"?>
+<p:sld xmlns:a="http://schemas.openxmlformats.org/drawingml/2006/main" xmlns:r="http://schemas.openxmlformats.org/officeDocument/2006/relationships" xmlns:p="http://schemas.openxmlformats.org/presentationml/2006/main">
+  <p:cSld>
+    <p:spTree>
+      <p:nvGrpSpPr>
+        <p:cNvPr id="1" name=""/>
+        <p:cNvGrpSpPr/>
+        <p:nvPr/>
+      </p:nvGrpSpPr>
+      <p:grpSpPr>
+        <a:xfrm>
+          <a:off x="0" y="0"/>
+          <a:ext cx="0" cy="0"/>
+          <a:chOff x="0" y="0"/>
+          <a:chExt cx="0" cy="0"/>
+        </a:xfrm>
+      </p:grpSpPr>
+      <p:sp>
+        <p:nvSpPr>
+          <p:cNvPr id="2" name="Title 1">
+            <a:extLst>
+              <a:ext uri="{FF2B5EF4-FFF2-40B4-BE49-F238E27FC236}">
+                <a16:creationId xmlns:a16="http://schemas.microsoft.com/office/drawing/2014/main" id="{51BC44D7-475A-482A-B5BA-DD56647B8EFB}"/>
+              </a:ext>
+            </a:extLst>
+          </p:cNvPr>
+          <p:cNvSpPr>
+            <a:spLocks noGrp="1"/>
+          </p:cNvSpPr>
+          <p:nvPr>
+            <p:ph type="title"/>
+          </p:nvPr>
+        </p:nvSpPr>
+        <p:spPr/>
+        <p:txBody>
+          <a:bodyPr/>
+          <a:lstStyle/>
+          <a:p>
+            <a:r>
+              <a:rPr lang="en-US" dirty="0"/>
+              <a:t>Table of Contents</a:t>
+            </a:r>
+          </a:p>
+        </p:txBody>
+      </p:sp>
+      <p:sp>
+        <p:nvSpPr>
+          <p:cNvPr id="3" name="Content Placeholder 2">
+            <a:extLst>
+              <a:ext uri="{FF2B5EF4-FFF2-40B4-BE49-F238E27FC236}">
+                <a16:creationId xmlns:a16="http://schemas.microsoft.com/office/drawing/2014/main" id="{7ED31857-DD99-4A75-B34B-558A81CA01EE}"/>
+              </a:ext>
+            </a:extLst>
+          </p:cNvPr>
+          <p:cNvSpPr>
+            <a:spLocks noGrp="1"/>
+          </p:cNvSpPr>
+          <p:nvPr>
+            <p:ph idx="1"/>
+          </p:nvPr>
+        </p:nvSpPr>
+        <p:spPr/>
+        <p:txBody>
+          <a:bodyPr>
+            <a:normAutofit fontScale="92500" lnSpcReduction="20000"/>
+          </a:bodyPr>
+          <a:lstStyle/>
+          <a:p>
+            <a:r>
+              <a:rPr lang="en-US" dirty="0"/>
+              <a:t>Introduction</a:t>
+            </a:r>
+          </a:p>
+          <a:p>
+            <a:pPr lvl="1"/>
+            <a:r>
+              <a:rPr lang="en-US" dirty="0"/>
+              <a:t>Who am I</a:t>
+            </a:r>
+          </a:p>
+          <a:p>
+            <a:pPr lvl="1"/>
+            <a:r>
+              <a:rPr lang="en-US" dirty="0"/>
+              <a:t>Comparison of Languages</a:t>
+            </a:r>
+          </a:p>
+          <a:p>
+            <a:pPr lvl="1"/>
+            <a:r>
+              <a:rPr lang="en-US" dirty="0"/>
+              <a:t>VBA</a:t>
+            </a:r>
+          </a:p>
+          <a:p>
+            <a:r>
+              <a:rPr lang="en-US" dirty="0"/>
+              <a:t>Set up your personal macro workbook</a:t>
+            </a:r>
+          </a:p>
+          <a:p>
+            <a:r>
+              <a:rPr lang="en-US" dirty="0"/>
+              <a:t>Variables and Datatypes</a:t>
+            </a:r>
+          </a:p>
+          <a:p>
+            <a:r>
+              <a:rPr lang="en-US" dirty="0"/>
+              <a:t>Building Blocks of a </a:t>
+            </a:r>
+            <a:r>
+              <a:rPr lang="en-US" dirty="0" err="1"/>
+              <a:t>vba</a:t>
+            </a:r>
+            <a:r>
+              <a:rPr lang="en-US" dirty="0"/>
+              <a:t> program</a:t>
+            </a:r>
+          </a:p>
+          <a:p>
+            <a:pPr lvl="1"/>
+            <a:r>
+              <a:rPr lang="en-US" dirty="0"/>
+              <a:t>if/for/function/sub</a:t>
+            </a:r>
+          </a:p>
+          <a:p>
+            <a:pPr lvl="1"/>
+            <a:r>
+              <a:rPr lang="en-US" dirty="0"/>
+              <a:t>Cell manipulation</a:t>
+            </a:r>
+          </a:p>
+          <a:p>
+            <a:r>
+              <a:rPr lang="en-US" dirty="0"/>
+              <a:t>Putting it all together </a:t>
+            </a:r>
+          </a:p>
+          <a:p>
+            <a:r>
+              <a:rPr lang="en-US" dirty="0"/>
+              <a:t>How to use record macro effectively</a:t>
+            </a:r>
+          </a:p>
+          <a:p>
+            <a:r>
+              <a:rPr lang="en-US" dirty="0"/>
+              <a:t>How to use debugger in VBA</a:t>
+            </a:r>
+          </a:p>
+        </p:txBody>
+      </p:sp>
+    </p:spTree>
+    <p:extLst>
+      <p:ext uri="{BB962C8B-B14F-4D97-AF65-F5344CB8AC3E}">
+        <p14:creationId xmlns:p14="http://schemas.microsoft.com/office/powerpoint/2010/main" val="2770520493"/>
+      </p:ext>
+    </p:extLst>
+  </p:cSld>
+  <p:clrMapOvr>
+    <a:masterClrMapping/>
+  </p:clrMapOvr>
+</p:sld>
+</file>
+
+<file path=ppt/slides/slide30.xml><?xml version="1.0" encoding="utf-8"?>
 <p:sld xmlns:a="http://schemas.openxmlformats.org/drawingml/2006/main" xmlns:r="http://schemas.openxmlformats.org/officeDocument/2006/relationships" xmlns:p="http://schemas.openxmlformats.org/presentationml/2006/main">
   <p:cSld>
     <p:spTree>
@@ -16260,7 +17751,7 @@
 </p:sld>
 </file>
 
-<file path=ppt/slides/slide29.xml><?xml version="1.0" encoding="utf-8"?>
+<file path=ppt/slides/slide31.xml><?xml version="1.0" encoding="utf-8"?>
 <p:sld xmlns:a="http://schemas.openxmlformats.org/drawingml/2006/main" xmlns:r="http://schemas.openxmlformats.org/officeDocument/2006/relationships" xmlns:p="http://schemas.openxmlformats.org/presentationml/2006/main">
   <p:cSld>
     <p:spTree>
@@ -17096,173 +18587,6 @@
       </p:par>
     </p:tnLst>
   </p:timing>
-</p:sld>
-</file>
-
-<file path=ppt/slides/slide3.xml><?xml version="1.0" encoding="utf-8"?>
-<p:sld xmlns:a="http://schemas.openxmlformats.org/drawingml/2006/main" xmlns:r="http://schemas.openxmlformats.org/officeDocument/2006/relationships" xmlns:p="http://schemas.openxmlformats.org/presentationml/2006/main">
-  <p:cSld>
-    <p:spTree>
-      <p:nvGrpSpPr>
-        <p:cNvPr id="1" name=""/>
-        <p:cNvGrpSpPr/>
-        <p:nvPr/>
-      </p:nvGrpSpPr>
-      <p:grpSpPr>
-        <a:xfrm>
-          <a:off x="0" y="0"/>
-          <a:ext cx="0" cy="0"/>
-          <a:chOff x="0" y="0"/>
-          <a:chExt cx="0" cy="0"/>
-        </a:xfrm>
-      </p:grpSpPr>
-      <p:sp>
-        <p:nvSpPr>
-          <p:cNvPr id="2" name="Title 1">
-            <a:extLst>
-              <a:ext uri="{FF2B5EF4-FFF2-40B4-BE49-F238E27FC236}">
-                <a16:creationId xmlns:a16="http://schemas.microsoft.com/office/drawing/2014/main" id="{51BC44D7-475A-482A-B5BA-DD56647B8EFB}"/>
-              </a:ext>
-            </a:extLst>
-          </p:cNvPr>
-          <p:cNvSpPr>
-            <a:spLocks noGrp="1"/>
-          </p:cNvSpPr>
-          <p:nvPr>
-            <p:ph type="title"/>
-          </p:nvPr>
-        </p:nvSpPr>
-        <p:spPr/>
-        <p:txBody>
-          <a:bodyPr/>
-          <a:lstStyle/>
-          <a:p>
-            <a:r>
-              <a:rPr lang="en-US" dirty="0"/>
-              <a:t>Table of Contents</a:t>
-            </a:r>
-          </a:p>
-        </p:txBody>
-      </p:sp>
-      <p:sp>
-        <p:nvSpPr>
-          <p:cNvPr id="3" name="Content Placeholder 2">
-            <a:extLst>
-              <a:ext uri="{FF2B5EF4-FFF2-40B4-BE49-F238E27FC236}">
-                <a16:creationId xmlns:a16="http://schemas.microsoft.com/office/drawing/2014/main" id="{7ED31857-DD99-4A75-B34B-558A81CA01EE}"/>
-              </a:ext>
-            </a:extLst>
-          </p:cNvPr>
-          <p:cNvSpPr>
-            <a:spLocks noGrp="1"/>
-          </p:cNvSpPr>
-          <p:nvPr>
-            <p:ph idx="1"/>
-          </p:nvPr>
-        </p:nvSpPr>
-        <p:spPr/>
-        <p:txBody>
-          <a:bodyPr>
-            <a:normAutofit fontScale="92500" lnSpcReduction="20000"/>
-          </a:bodyPr>
-          <a:lstStyle/>
-          <a:p>
-            <a:r>
-              <a:rPr lang="en-US" dirty="0"/>
-              <a:t>Introduction</a:t>
-            </a:r>
-          </a:p>
-          <a:p>
-            <a:pPr lvl="1"/>
-            <a:r>
-              <a:rPr lang="en-US" dirty="0"/>
-              <a:t>Who am I</a:t>
-            </a:r>
-          </a:p>
-          <a:p>
-            <a:pPr lvl="1"/>
-            <a:r>
-              <a:rPr lang="en-US" dirty="0"/>
-              <a:t>Comparison of Languages</a:t>
-            </a:r>
-          </a:p>
-          <a:p>
-            <a:pPr lvl="1"/>
-            <a:r>
-              <a:rPr lang="en-US" dirty="0"/>
-              <a:t>VBA</a:t>
-            </a:r>
-          </a:p>
-          <a:p>
-            <a:r>
-              <a:rPr lang="en-US" dirty="0"/>
-              <a:t>Set up your personal macro workbook</a:t>
-            </a:r>
-          </a:p>
-          <a:p>
-            <a:r>
-              <a:rPr lang="en-US" dirty="0"/>
-              <a:t>Variables and Datatypes</a:t>
-            </a:r>
-          </a:p>
-          <a:p>
-            <a:r>
-              <a:rPr lang="en-US" dirty="0"/>
-              <a:t>Building Blocks of a </a:t>
-            </a:r>
-            <a:r>
-              <a:rPr lang="en-US" dirty="0" err="1"/>
-              <a:t>vba</a:t>
-            </a:r>
-            <a:r>
-              <a:rPr lang="en-US" dirty="0"/>
-              <a:t> program</a:t>
-            </a:r>
-          </a:p>
-          <a:p>
-            <a:pPr lvl="1"/>
-            <a:r>
-              <a:rPr lang="en-US" dirty="0"/>
-              <a:t>if/for/function/sub</a:t>
-            </a:r>
-          </a:p>
-          <a:p>
-            <a:pPr lvl="1"/>
-            <a:r>
-              <a:rPr lang="en-US" dirty="0"/>
-              <a:t>Cell manipulation</a:t>
-            </a:r>
-          </a:p>
-          <a:p>
-            <a:r>
-              <a:rPr lang="en-US" dirty="0"/>
-              <a:t>Putting it all together </a:t>
-            </a:r>
-          </a:p>
-          <a:p>
-            <a:r>
-              <a:rPr lang="en-US" dirty="0"/>
-              <a:t>How to use record macro effectively</a:t>
-            </a:r>
-          </a:p>
-          <a:p>
-            <a:r>
-              <a:rPr lang="en-US" dirty="0"/>
-              <a:t>How to use debugger in VBA</a:t>
-            </a:r>
-          </a:p>
-        </p:txBody>
-      </p:sp>
-    </p:spTree>
-    <p:extLst>
-      <p:ext uri="{BB962C8B-B14F-4D97-AF65-F5344CB8AC3E}">
-        <p14:creationId xmlns:p14="http://schemas.microsoft.com/office/powerpoint/2010/main" val="2770520493"/>
-      </p:ext>
-    </p:extLst>
-  </p:cSld>
-  <p:clrMapOvr>
-    <a:masterClrMapping/>
-  </p:clrMapOvr>
 </p:sld>
 </file>
 
